--- a/Documentation/4 - Suivi projet/Point_Equipe_2015-07-09.pptx
+++ b/Documentation/4 - Suivi projet/Point_Equipe_2015-07-09.pptx
@@ -116,7 +116,7 @@
   </p:defaultTextStyle>
   <p:extLst>
     <p:ext uri="{EFAFB233-063F-42B5-8137-9DF3F51BA10A}">
-      <p15:sldGuideLst xmlns:p15="http://schemas.microsoft.com/office/powerpoint/2012/main" xmlns="">
+      <p15:sldGuideLst xmlns:p15="http://schemas.microsoft.com/office/powerpoint/2012/main">
         <p15:guide id="1" orient="horz" pos="2160">
           <p15:clr>
             <a:srgbClr val="A4A3A4"/>
@@ -385,7 +385,7 @@
     </p:spTree>
     <p:extLst>
       <p:ext uri="{BB962C8B-B14F-4D97-AF65-F5344CB8AC3E}">
-        <p14:creationId xmlns:p14="http://schemas.microsoft.com/office/powerpoint/2010/main" xmlns="" val="644369615"/>
+        <p14:creationId xmlns:p14="http://schemas.microsoft.com/office/powerpoint/2010/main" val="644369615"/>
       </p:ext>
     </p:extLst>
   </p:cSld>
@@ -560,7 +560,7 @@
     </p:spTree>
     <p:extLst>
       <p:ext uri="{BB962C8B-B14F-4D97-AF65-F5344CB8AC3E}">
-        <p14:creationId xmlns:p14="http://schemas.microsoft.com/office/powerpoint/2010/main" xmlns="" val="447969412"/>
+        <p14:creationId xmlns:p14="http://schemas.microsoft.com/office/powerpoint/2010/main" val="447969412"/>
       </p:ext>
     </p:extLst>
   </p:cSld>
@@ -645,7 +645,7 @@
     </p:spTree>
     <p:extLst>
       <p:ext uri="{BB962C8B-B14F-4D97-AF65-F5344CB8AC3E}">
-        <p14:creationId xmlns:p14="http://schemas.microsoft.com/office/powerpoint/2010/main" xmlns="" val="447969412"/>
+        <p14:creationId xmlns:p14="http://schemas.microsoft.com/office/powerpoint/2010/main" val="447969412"/>
       </p:ext>
     </p:extLst>
   </p:cSld>
@@ -730,7 +730,7 @@
     </p:spTree>
     <p:extLst>
       <p:ext uri="{BB962C8B-B14F-4D97-AF65-F5344CB8AC3E}">
-        <p14:creationId xmlns:p14="http://schemas.microsoft.com/office/powerpoint/2010/main" xmlns="" val="447969412"/>
+        <p14:creationId xmlns:p14="http://schemas.microsoft.com/office/powerpoint/2010/main" val="447969412"/>
       </p:ext>
     </p:extLst>
   </p:cSld>
@@ -815,7 +815,7 @@
     </p:spTree>
     <p:extLst>
       <p:ext uri="{BB962C8B-B14F-4D97-AF65-F5344CB8AC3E}">
-        <p14:creationId xmlns:p14="http://schemas.microsoft.com/office/powerpoint/2010/main" xmlns="" val="447969412"/>
+        <p14:creationId xmlns:p14="http://schemas.microsoft.com/office/powerpoint/2010/main" val="447969412"/>
       </p:ext>
     </p:extLst>
   </p:cSld>
@@ -900,7 +900,7 @@
     </p:spTree>
     <p:extLst>
       <p:ext uri="{BB962C8B-B14F-4D97-AF65-F5344CB8AC3E}">
-        <p14:creationId xmlns:p14="http://schemas.microsoft.com/office/powerpoint/2010/main" xmlns="" val="447969412"/>
+        <p14:creationId xmlns:p14="http://schemas.microsoft.com/office/powerpoint/2010/main" val="447969412"/>
       </p:ext>
     </p:extLst>
   </p:cSld>
@@ -985,7 +985,7 @@
     </p:spTree>
     <p:extLst>
       <p:ext uri="{BB962C8B-B14F-4D97-AF65-F5344CB8AC3E}">
-        <p14:creationId xmlns:p14="http://schemas.microsoft.com/office/powerpoint/2010/main" xmlns="" val="447969412"/>
+        <p14:creationId xmlns:p14="http://schemas.microsoft.com/office/powerpoint/2010/main" val="447969412"/>
       </p:ext>
     </p:extLst>
   </p:cSld>
@@ -1070,7 +1070,7 @@
     </p:spTree>
     <p:extLst>
       <p:ext uri="{BB962C8B-B14F-4D97-AF65-F5344CB8AC3E}">
-        <p14:creationId xmlns:p14="http://schemas.microsoft.com/office/powerpoint/2010/main" xmlns="" val="447969412"/>
+        <p14:creationId xmlns:p14="http://schemas.microsoft.com/office/powerpoint/2010/main" val="447969412"/>
       </p:ext>
     </p:extLst>
   </p:cSld>
@@ -1155,7 +1155,7 @@
     </p:spTree>
     <p:extLst>
       <p:ext uri="{BB962C8B-B14F-4D97-AF65-F5344CB8AC3E}">
-        <p14:creationId xmlns:p14="http://schemas.microsoft.com/office/powerpoint/2010/main" xmlns="" val="447969412"/>
+        <p14:creationId xmlns:p14="http://schemas.microsoft.com/office/powerpoint/2010/main" val="447969412"/>
       </p:ext>
     </p:extLst>
   </p:cSld>
@@ -1194,7 +1194,7 @@
           <a:blip r:embed="rId2" cstate="email">
             <a:extLst>
               <a:ext uri="{28A0092B-C50C-407E-A947-70E740481C1C}">
-                <a14:useLocalDpi xmlns:a14="http://schemas.microsoft.com/office/drawing/2010/main" xmlns="" val="0"/>
+                <a14:useLocalDpi xmlns:a14="http://schemas.microsoft.com/office/drawing/2010/main" val="0"/>
               </a:ext>
             </a:extLst>
           </a:blip>
@@ -1217,14 +1217,14 @@
           </a:ln>
           <a:extLst>
             <a:ext uri="{909E8E84-426E-40DD-AFC4-6F175D3DCCD1}">
-              <a14:hiddenFill xmlns:a14="http://schemas.microsoft.com/office/drawing/2010/main" xmlns="">
+              <a14:hiddenFill xmlns:a14="http://schemas.microsoft.com/office/drawing/2010/main">
                 <a:solidFill>
                   <a:schemeClr val="accent1"/>
                 </a:solidFill>
               </a14:hiddenFill>
             </a:ext>
             <a:ext uri="{91240B29-F687-4F45-9708-019B960494DF}">
-              <a14:hiddenLine xmlns:a14="http://schemas.microsoft.com/office/drawing/2010/main" xmlns="" w="9525">
+              <a14:hiddenLine xmlns:a14="http://schemas.microsoft.com/office/drawing/2010/main" w="9525">
                 <a:solidFill>
                   <a:schemeClr val="tx1"/>
                 </a:solidFill>
@@ -1507,7 +1507,7 @@
     </p:spTree>
     <p:extLst>
       <p:ext uri="{BB962C8B-B14F-4D97-AF65-F5344CB8AC3E}">
-        <p14:creationId xmlns:p14="http://schemas.microsoft.com/office/powerpoint/2010/main" xmlns="" val="2439187425"/>
+        <p14:creationId xmlns:p14="http://schemas.microsoft.com/office/powerpoint/2010/main" val="2439187425"/>
       </p:ext>
     </p:extLst>
   </p:cSld>
@@ -1686,7 +1686,7 @@
     </p:spTree>
     <p:extLst>
       <p:ext uri="{BB962C8B-B14F-4D97-AF65-F5344CB8AC3E}">
-        <p14:creationId xmlns:p14="http://schemas.microsoft.com/office/powerpoint/2010/main" xmlns="" val="2277311567"/>
+        <p14:creationId xmlns:p14="http://schemas.microsoft.com/office/powerpoint/2010/main" val="2277311567"/>
       </p:ext>
     </p:extLst>
   </p:cSld>
@@ -1868,7 +1868,7 @@
     </p:spTree>
     <p:extLst>
       <p:ext uri="{BB962C8B-B14F-4D97-AF65-F5344CB8AC3E}">
-        <p14:creationId xmlns:p14="http://schemas.microsoft.com/office/powerpoint/2010/main" xmlns="" val="1382734851"/>
+        <p14:creationId xmlns:p14="http://schemas.microsoft.com/office/powerpoint/2010/main" val="1382734851"/>
       </p:ext>
     </p:extLst>
   </p:cSld>
@@ -2040,7 +2040,7 @@
     </p:spTree>
     <p:extLst>
       <p:ext uri="{BB962C8B-B14F-4D97-AF65-F5344CB8AC3E}">
-        <p14:creationId xmlns:p14="http://schemas.microsoft.com/office/powerpoint/2010/main" xmlns="" val="1730161274"/>
+        <p14:creationId xmlns:p14="http://schemas.microsoft.com/office/powerpoint/2010/main" val="1730161274"/>
       </p:ext>
     </p:extLst>
   </p:cSld>
@@ -2288,7 +2288,7 @@
     </p:spTree>
     <p:extLst>
       <p:ext uri="{BB962C8B-B14F-4D97-AF65-F5344CB8AC3E}">
-        <p14:creationId xmlns:p14="http://schemas.microsoft.com/office/powerpoint/2010/main" xmlns="" val="3623823994"/>
+        <p14:creationId xmlns:p14="http://schemas.microsoft.com/office/powerpoint/2010/main" val="3623823994"/>
       </p:ext>
     </p:extLst>
   </p:cSld>
@@ -2578,7 +2578,7 @@
     </p:spTree>
     <p:extLst>
       <p:ext uri="{BB962C8B-B14F-4D97-AF65-F5344CB8AC3E}">
-        <p14:creationId xmlns:p14="http://schemas.microsoft.com/office/powerpoint/2010/main" xmlns="" val="2477640779"/>
+        <p14:creationId xmlns:p14="http://schemas.microsoft.com/office/powerpoint/2010/main" val="2477640779"/>
       </p:ext>
     </p:extLst>
   </p:cSld>
@@ -3002,7 +3002,7 @@
     </p:spTree>
     <p:extLst>
       <p:ext uri="{BB962C8B-B14F-4D97-AF65-F5344CB8AC3E}">
-        <p14:creationId xmlns:p14="http://schemas.microsoft.com/office/powerpoint/2010/main" xmlns="" val="839060086"/>
+        <p14:creationId xmlns:p14="http://schemas.microsoft.com/office/powerpoint/2010/main" val="839060086"/>
       </p:ext>
     </p:extLst>
   </p:cSld>
@@ -3122,7 +3122,7 @@
     </p:spTree>
     <p:extLst>
       <p:ext uri="{BB962C8B-B14F-4D97-AF65-F5344CB8AC3E}">
-        <p14:creationId xmlns:p14="http://schemas.microsoft.com/office/powerpoint/2010/main" xmlns="" val="2000422401"/>
+        <p14:creationId xmlns:p14="http://schemas.microsoft.com/office/powerpoint/2010/main" val="2000422401"/>
       </p:ext>
     </p:extLst>
   </p:cSld>
@@ -3219,7 +3219,7 @@
     </p:spTree>
     <p:extLst>
       <p:ext uri="{BB962C8B-B14F-4D97-AF65-F5344CB8AC3E}">
-        <p14:creationId xmlns:p14="http://schemas.microsoft.com/office/powerpoint/2010/main" xmlns="" val="1625092074"/>
+        <p14:creationId xmlns:p14="http://schemas.microsoft.com/office/powerpoint/2010/main" val="1625092074"/>
       </p:ext>
     </p:extLst>
   </p:cSld>
@@ -3498,7 +3498,7 @@
     </p:spTree>
     <p:extLst>
       <p:ext uri="{BB962C8B-B14F-4D97-AF65-F5344CB8AC3E}">
-        <p14:creationId xmlns:p14="http://schemas.microsoft.com/office/powerpoint/2010/main" xmlns="" val="1562112021"/>
+        <p14:creationId xmlns:p14="http://schemas.microsoft.com/office/powerpoint/2010/main" val="1562112021"/>
       </p:ext>
     </p:extLst>
   </p:cSld>
@@ -3753,7 +3753,7 @@
     </p:spTree>
     <p:extLst>
       <p:ext uri="{BB962C8B-B14F-4D97-AF65-F5344CB8AC3E}">
-        <p14:creationId xmlns:p14="http://schemas.microsoft.com/office/powerpoint/2010/main" xmlns="" val="2251527463"/>
+        <p14:creationId xmlns:p14="http://schemas.microsoft.com/office/powerpoint/2010/main" val="2251527463"/>
       </p:ext>
     </p:extLst>
   </p:cSld>
@@ -4004,7 +4004,7 @@
     </p:spTree>
     <p:extLst>
       <p:ext uri="{BB962C8B-B14F-4D97-AF65-F5344CB8AC3E}">
-        <p14:creationId xmlns:p14="http://schemas.microsoft.com/office/powerpoint/2010/main" xmlns="" val="689816528"/>
+        <p14:creationId xmlns:p14="http://schemas.microsoft.com/office/powerpoint/2010/main" val="689816528"/>
       </p:ext>
     </p:extLst>
   </p:cSld>
@@ -4376,7 +4376,7 @@
           <a:blip r:embed="rId3" cstate="email">
             <a:extLst>
               <a:ext uri="{28A0092B-C50C-407E-A947-70E740481C1C}">
-                <a14:useLocalDpi xmlns:a14="http://schemas.microsoft.com/office/drawing/2010/main" xmlns="" val="0"/>
+                <a14:useLocalDpi xmlns:a14="http://schemas.microsoft.com/office/drawing/2010/main" val="0"/>
               </a:ext>
             </a:extLst>
           </a:blip>
@@ -4397,14 +4397,14 @@
           </a:ln>
           <a:extLst>
             <a:ext uri="{909E8E84-426E-40DD-AFC4-6F175D3DCCD1}">
-              <a14:hiddenFill xmlns:a14="http://schemas.microsoft.com/office/drawing/2010/main" xmlns="">
+              <a14:hiddenFill xmlns:a14="http://schemas.microsoft.com/office/drawing/2010/main">
                 <a:solidFill>
                   <a:schemeClr val="accent1"/>
                 </a:solidFill>
               </a14:hiddenFill>
             </a:ext>
             <a:ext uri="{91240B29-F687-4F45-9708-019B960494DF}">
-              <a14:hiddenLine xmlns:a14="http://schemas.microsoft.com/office/drawing/2010/main" xmlns="" w="9525">
+              <a14:hiddenLine xmlns:a14="http://schemas.microsoft.com/office/drawing/2010/main" w="9525">
                 <a:solidFill>
                   <a:schemeClr val="tx1"/>
                 </a:solidFill>
@@ -4549,7 +4549,7 @@
     </p:spTree>
     <p:extLst>
       <p:ext uri="{BB962C8B-B14F-4D97-AF65-F5344CB8AC3E}">
-        <p14:creationId xmlns:p14="http://schemas.microsoft.com/office/powerpoint/2010/main" xmlns="" val="3506473687"/>
+        <p14:creationId xmlns:p14="http://schemas.microsoft.com/office/powerpoint/2010/main" val="3506473687"/>
       </p:ext>
     </p:extLst>
   </p:cSld>
@@ -4637,7 +4637,7 @@
     </p:spTree>
     <p:extLst>
       <p:ext uri="{BB962C8B-B14F-4D97-AF65-F5344CB8AC3E}">
-        <p14:creationId xmlns:p14="http://schemas.microsoft.com/office/powerpoint/2010/main" xmlns="" val="3949703253"/>
+        <p14:creationId xmlns:p14="http://schemas.microsoft.com/office/powerpoint/2010/main" val="3949703253"/>
       </p:ext>
     </p:extLst>
   </p:cSld>
@@ -4840,7 +4840,7 @@
           <p:nvPr>
             <p:extLst>
               <p:ext uri="{D42A27DB-BD31-4B8C-83A1-F6EECF244321}">
-                <p14:modId xmlns:p14="http://schemas.microsoft.com/office/powerpoint/2010/main" xmlns="" val="2161259375"/>
+                <p14:modId xmlns:p14="http://schemas.microsoft.com/office/powerpoint/2010/main" val="2161259375"/>
               </p:ext>
             </p:extLst>
           </p:nvPr>
@@ -5095,7 +5095,7 @@
     </p:spTree>
     <p:extLst>
       <p:ext uri="{BB962C8B-B14F-4D97-AF65-F5344CB8AC3E}">
-        <p14:creationId xmlns:p14="http://schemas.microsoft.com/office/powerpoint/2010/main" xmlns="" val="3884696437"/>
+        <p14:creationId xmlns:p14="http://schemas.microsoft.com/office/powerpoint/2010/main" val="3884696437"/>
       </p:ext>
     </p:extLst>
   </p:cSld>
@@ -5337,7 +5337,7 @@
           <p:nvPr>
             <p:extLst>
               <p:ext uri="{D42A27DB-BD31-4B8C-83A1-F6EECF244321}">
-                <p14:modId xmlns:p14="http://schemas.microsoft.com/office/powerpoint/2010/main" xmlns="" val="2225004352"/>
+                <p14:modId xmlns:p14="http://schemas.microsoft.com/office/powerpoint/2010/main" val="2225004352"/>
               </p:ext>
             </p:extLst>
           </p:nvPr>
@@ -5628,7 +5628,7 @@
           <p:nvPr>
             <p:extLst>
               <p:ext uri="{D42A27DB-BD31-4B8C-83A1-F6EECF244321}">
-                <p14:modId xmlns:p14="http://schemas.microsoft.com/office/powerpoint/2010/main" xmlns="" val="1470394763"/>
+                <p14:modId xmlns:p14="http://schemas.microsoft.com/office/powerpoint/2010/main" val="1470394763"/>
               </p:ext>
             </p:extLst>
           </p:nvPr>
@@ -6099,7 +6099,7 @@
           <p:nvPr>
             <p:extLst>
               <p:ext uri="{D42A27DB-BD31-4B8C-83A1-F6EECF244321}">
-                <p14:modId xmlns:p14="http://schemas.microsoft.com/office/powerpoint/2010/main" xmlns="" val="1357447298"/>
+                <p14:modId xmlns:p14="http://schemas.microsoft.com/office/powerpoint/2010/main" val="1357447298"/>
               </p:ext>
             </p:extLst>
           </p:nvPr>
@@ -6551,7 +6551,7 @@
     </p:spTree>
     <p:extLst>
       <p:ext uri="{BB962C8B-B14F-4D97-AF65-F5344CB8AC3E}">
-        <p14:creationId xmlns:p14="http://schemas.microsoft.com/office/powerpoint/2010/main" xmlns="" val="4104051211"/>
+        <p14:creationId xmlns:p14="http://schemas.microsoft.com/office/powerpoint/2010/main" val="4104051211"/>
       </p:ext>
     </p:extLst>
   </p:cSld>
@@ -6595,7 +6595,7 @@
           <a:blip r:embed="rId3" cstate="print">
             <a:extLst>
               <a:ext uri="{28A0092B-C50C-407E-A947-70E740481C1C}">
-                <a14:useLocalDpi xmlns:a14="http://schemas.microsoft.com/office/drawing/2010/main" xmlns="" val="0"/>
+                <a14:useLocalDpi xmlns:a14="http://schemas.microsoft.com/office/drawing/2010/main" val="0"/>
               </a:ext>
             </a:extLst>
           </a:blip>
@@ -6701,7 +6701,7 @@
           <p:nvPr>
             <p:extLst>
               <p:ext uri="{D42A27DB-BD31-4B8C-83A1-F6EECF244321}">
-                <p14:modId xmlns:p14="http://schemas.microsoft.com/office/powerpoint/2010/main" xmlns="" val="3441312500"/>
+                <p14:modId xmlns:p14="http://schemas.microsoft.com/office/powerpoint/2010/main" val="1190885803"/>
               </p:ext>
             </p:extLst>
           </p:nvPr>
@@ -6982,7 +6982,7 @@
                       <a:pPr algn="ctr"/>
                       <a:r>
                         <a:rPr lang="fr-FR" dirty="0" smtClean="0"/>
-                        <a:t>?</a:t>
+                        <a:t>OK</a:t>
                       </a:r>
                       <a:endParaRPr lang="fr-FR" dirty="0"/>
                     </a:p>
@@ -7033,234 +7033,6 @@
                       <a:r>
                         <a:rPr lang="fr-FR" b="1" dirty="0" smtClean="0"/>
                         <a:t>Produits</a:t>
-                      </a:r>
-                      <a:endParaRPr lang="fr-FR" b="1" dirty="0"/>
-                    </a:p>
-                  </a:txBody>
-                  <a:tcPr/>
-                </a:tc>
-                <a:tc>
-                  <a:txBody>
-                    <a:bodyPr/>
-                    <a:lstStyle/>
-                    <a:p>
-                      <a:pPr algn="ctr"/>
-                      <a:r>
-                        <a:rPr lang="fr-FR" dirty="0" smtClean="0"/>
-                        <a:t>?</a:t>
-                      </a:r>
-                      <a:endParaRPr lang="fr-FR" dirty="0"/>
-                    </a:p>
-                  </a:txBody>
-                  <a:tcPr/>
-                </a:tc>
-                <a:tc>
-                  <a:txBody>
-                    <a:bodyPr/>
-                    <a:lstStyle/>
-                    <a:p>
-                      <a:pPr algn="ctr"/>
-                      <a:endParaRPr lang="fr-FR" dirty="0"/>
-                    </a:p>
-                  </a:txBody>
-                  <a:tcPr/>
-                </a:tc>
-                <a:tc>
-                  <a:txBody>
-                    <a:bodyPr/>
-                    <a:lstStyle/>
-                    <a:p>
-                      <a:pPr algn="ctr"/>
-                      <a:endParaRPr lang="fr-FR" dirty="0"/>
-                    </a:p>
-                  </a:txBody>
-                  <a:tcPr/>
-                </a:tc>
-                <a:tc>
-                  <a:txBody>
-                    <a:bodyPr/>
-                    <a:lstStyle/>
-                    <a:p>
-                      <a:pPr algn="ctr"/>
-                      <a:endParaRPr lang="fr-FR" dirty="0"/>
-                    </a:p>
-                  </a:txBody>
-                  <a:tcPr/>
-                </a:tc>
-                <a:tc>
-                  <a:txBody>
-                    <a:bodyPr/>
-                    <a:lstStyle/>
-                    <a:p>
-                      <a:pPr algn="ctr"/>
-                      <a:endParaRPr lang="fr-FR" dirty="0"/>
-                    </a:p>
-                  </a:txBody>
-                  <a:tcPr/>
-                </a:tc>
-              </a:tr>
-              <a:tr h="370840">
-                <a:tc>
-                  <a:txBody>
-                    <a:bodyPr/>
-                    <a:lstStyle/>
-                    <a:p>
-                      <a:pPr algn="ctr"/>
-                      <a:r>
-                        <a:rPr lang="fr-FR" b="1" dirty="0" smtClean="0"/>
-                        <a:t>Temps</a:t>
-                      </a:r>
-                      <a:endParaRPr lang="fr-FR" b="1" dirty="0"/>
-                    </a:p>
-                  </a:txBody>
-                  <a:tcPr/>
-                </a:tc>
-                <a:tc>
-                  <a:txBody>
-                    <a:bodyPr/>
-                    <a:lstStyle/>
-                    <a:p>
-                      <a:pPr algn="ctr"/>
-                      <a:endParaRPr lang="fr-FR" dirty="0"/>
-                    </a:p>
-                  </a:txBody>
-                  <a:tcPr/>
-                </a:tc>
-                <a:tc>
-                  <a:txBody>
-                    <a:bodyPr/>
-                    <a:lstStyle/>
-                    <a:p>
-                      <a:pPr algn="ctr"/>
-                      <a:endParaRPr lang="fr-FR" dirty="0"/>
-                    </a:p>
-                  </a:txBody>
-                  <a:tcPr/>
-                </a:tc>
-                <a:tc>
-                  <a:txBody>
-                    <a:bodyPr/>
-                    <a:lstStyle/>
-                    <a:p>
-                      <a:pPr algn="ctr"/>
-                      <a:r>
-                        <a:rPr lang="fr-FR" dirty="0" smtClean="0"/>
-                        <a:t>OK</a:t>
-                      </a:r>
-                      <a:endParaRPr lang="fr-FR" dirty="0"/>
-                    </a:p>
-                  </a:txBody>
-                  <a:tcPr/>
-                </a:tc>
-                <a:tc>
-                  <a:txBody>
-                    <a:bodyPr/>
-                    <a:lstStyle/>
-                    <a:p>
-                      <a:pPr algn="ctr"/>
-                      <a:endParaRPr lang="fr-FR" dirty="0"/>
-                    </a:p>
-                  </a:txBody>
-                  <a:tcPr/>
-                </a:tc>
-                <a:tc>
-                  <a:txBody>
-                    <a:bodyPr/>
-                    <a:lstStyle/>
-                    <a:p>
-                      <a:pPr algn="ctr"/>
-                      <a:endParaRPr lang="fr-FR" dirty="0"/>
-                    </a:p>
-                  </a:txBody>
-                  <a:tcPr/>
-                </a:tc>
-              </a:tr>
-              <a:tr h="370840">
-                <a:tc>
-                  <a:txBody>
-                    <a:bodyPr/>
-                    <a:lstStyle/>
-                    <a:p>
-                      <a:pPr algn="ctr"/>
-                      <a:r>
-                        <a:rPr lang="fr-FR" b="1" dirty="0" smtClean="0"/>
-                        <a:t>Clients</a:t>
-                      </a:r>
-                      <a:endParaRPr lang="fr-FR" b="1" dirty="0"/>
-                    </a:p>
-                  </a:txBody>
-                  <a:tcPr/>
-                </a:tc>
-                <a:tc>
-                  <a:txBody>
-                    <a:bodyPr/>
-                    <a:lstStyle/>
-                    <a:p>
-                      <a:pPr algn="ctr"/>
-                      <a:endParaRPr lang="fr-FR" dirty="0"/>
-                    </a:p>
-                  </a:txBody>
-                  <a:tcPr/>
-                </a:tc>
-                <a:tc>
-                  <a:txBody>
-                    <a:bodyPr/>
-                    <a:lstStyle/>
-                    <a:p>
-                      <a:pPr algn="ctr"/>
-                      <a:endParaRPr lang="fr-FR" dirty="0"/>
-                    </a:p>
-                  </a:txBody>
-                  <a:tcPr/>
-                </a:tc>
-                <a:tc>
-                  <a:txBody>
-                    <a:bodyPr/>
-                    <a:lstStyle/>
-                    <a:p>
-                      <a:pPr algn="ctr"/>
-                      <a:endParaRPr lang="fr-FR" dirty="0"/>
-                    </a:p>
-                  </a:txBody>
-                  <a:tcPr/>
-                </a:tc>
-                <a:tc>
-                  <a:txBody>
-                    <a:bodyPr/>
-                    <a:lstStyle/>
-                    <a:p>
-                      <a:pPr algn="ctr"/>
-                      <a:endParaRPr lang="fr-FR" dirty="0"/>
-                    </a:p>
-                  </a:txBody>
-                  <a:tcPr/>
-                </a:tc>
-                <a:tc>
-                  <a:txBody>
-                    <a:bodyPr/>
-                    <a:lstStyle/>
-                    <a:p>
-                      <a:pPr algn="ctr"/>
-                      <a:r>
-                        <a:rPr lang="fr-FR" dirty="0" smtClean="0"/>
-                        <a:t>OK</a:t>
-                      </a:r>
-                      <a:endParaRPr lang="fr-FR" dirty="0"/>
-                    </a:p>
-                  </a:txBody>
-                  <a:tcPr/>
-                </a:tc>
-              </a:tr>
-              <a:tr h="370840">
-                <a:tc>
-                  <a:txBody>
-                    <a:bodyPr/>
-                    <a:lstStyle/>
-                    <a:p>
-                      <a:pPr algn="ctr"/>
-                      <a:r>
-                        <a:rPr lang="fr-FR" b="1" dirty="0" smtClean="0"/>
-                        <a:t>Lieux</a:t>
                       </a:r>
                       <a:endParaRPr lang="fr-FR" b="1" dirty="0"/>
                     </a:p>
@@ -7340,6 +7112,242 @@
                       <a:pPr algn="ctr"/>
                       <a:r>
                         <a:rPr lang="fr-FR" b="1" dirty="0" smtClean="0"/>
+                        <a:t>Temps</a:t>
+                      </a:r>
+                      <a:endParaRPr lang="fr-FR" b="1" dirty="0"/>
+                    </a:p>
+                  </a:txBody>
+                  <a:tcPr/>
+                </a:tc>
+                <a:tc>
+                  <a:txBody>
+                    <a:bodyPr/>
+                    <a:lstStyle/>
+                    <a:p>
+                      <a:pPr algn="ctr"/>
+                      <a:endParaRPr lang="fr-FR" dirty="0"/>
+                    </a:p>
+                  </a:txBody>
+                  <a:tcPr/>
+                </a:tc>
+                <a:tc>
+                  <a:txBody>
+                    <a:bodyPr/>
+                    <a:lstStyle/>
+                    <a:p>
+                      <a:pPr algn="ctr"/>
+                      <a:endParaRPr lang="fr-FR" dirty="0"/>
+                    </a:p>
+                  </a:txBody>
+                  <a:tcPr/>
+                </a:tc>
+                <a:tc>
+                  <a:txBody>
+                    <a:bodyPr/>
+                    <a:lstStyle/>
+                    <a:p>
+                      <a:pPr algn="ctr"/>
+                      <a:r>
+                        <a:rPr lang="fr-FR" dirty="0" smtClean="0"/>
+                        <a:t>Bug</a:t>
+                      </a:r>
+                      <a:r>
+                        <a:rPr lang="fr-FR" baseline="0" dirty="0" smtClean="0"/>
+                        <a:t> ?</a:t>
+                      </a:r>
+                      <a:endParaRPr lang="fr-FR" dirty="0"/>
+                    </a:p>
+                  </a:txBody>
+                  <a:tcPr/>
+                </a:tc>
+                <a:tc>
+                  <a:txBody>
+                    <a:bodyPr/>
+                    <a:lstStyle/>
+                    <a:p>
+                      <a:pPr algn="ctr"/>
+                      <a:endParaRPr lang="fr-FR" dirty="0"/>
+                    </a:p>
+                  </a:txBody>
+                  <a:tcPr/>
+                </a:tc>
+                <a:tc>
+                  <a:txBody>
+                    <a:bodyPr/>
+                    <a:lstStyle/>
+                    <a:p>
+                      <a:pPr algn="ctr"/>
+                      <a:endParaRPr lang="fr-FR" dirty="0"/>
+                    </a:p>
+                  </a:txBody>
+                  <a:tcPr/>
+                </a:tc>
+              </a:tr>
+              <a:tr h="370840">
+                <a:tc>
+                  <a:txBody>
+                    <a:bodyPr/>
+                    <a:lstStyle/>
+                    <a:p>
+                      <a:pPr algn="ctr"/>
+                      <a:r>
+                        <a:rPr lang="fr-FR" b="1" dirty="0" smtClean="0"/>
+                        <a:t>Clients</a:t>
+                      </a:r>
+                      <a:endParaRPr lang="fr-FR" b="1" dirty="0"/>
+                    </a:p>
+                  </a:txBody>
+                  <a:tcPr/>
+                </a:tc>
+                <a:tc>
+                  <a:txBody>
+                    <a:bodyPr/>
+                    <a:lstStyle/>
+                    <a:p>
+                      <a:pPr algn="ctr"/>
+                      <a:endParaRPr lang="fr-FR" dirty="0"/>
+                    </a:p>
+                  </a:txBody>
+                  <a:tcPr/>
+                </a:tc>
+                <a:tc>
+                  <a:txBody>
+                    <a:bodyPr/>
+                    <a:lstStyle/>
+                    <a:p>
+                      <a:pPr algn="ctr"/>
+                      <a:endParaRPr lang="fr-FR" dirty="0"/>
+                    </a:p>
+                  </a:txBody>
+                  <a:tcPr/>
+                </a:tc>
+                <a:tc>
+                  <a:txBody>
+                    <a:bodyPr/>
+                    <a:lstStyle/>
+                    <a:p>
+                      <a:pPr algn="ctr"/>
+                      <a:endParaRPr lang="fr-FR" dirty="0"/>
+                    </a:p>
+                  </a:txBody>
+                  <a:tcPr/>
+                </a:tc>
+                <a:tc>
+                  <a:txBody>
+                    <a:bodyPr/>
+                    <a:lstStyle/>
+                    <a:p>
+                      <a:pPr algn="ctr"/>
+                      <a:endParaRPr lang="fr-FR" dirty="0"/>
+                    </a:p>
+                  </a:txBody>
+                  <a:tcPr/>
+                </a:tc>
+                <a:tc>
+                  <a:txBody>
+                    <a:bodyPr/>
+                    <a:lstStyle/>
+                    <a:p>
+                      <a:pPr algn="ctr"/>
+                      <a:r>
+                        <a:rPr lang="fr-FR" dirty="0" smtClean="0"/>
+                        <a:t>OK</a:t>
+                      </a:r>
+                      <a:endParaRPr lang="fr-FR" dirty="0"/>
+                    </a:p>
+                  </a:txBody>
+                  <a:tcPr/>
+                </a:tc>
+              </a:tr>
+              <a:tr h="370840">
+                <a:tc>
+                  <a:txBody>
+                    <a:bodyPr/>
+                    <a:lstStyle/>
+                    <a:p>
+                      <a:pPr algn="ctr"/>
+                      <a:r>
+                        <a:rPr lang="fr-FR" b="1" dirty="0" smtClean="0"/>
+                        <a:t>Lieux</a:t>
+                      </a:r>
+                      <a:endParaRPr lang="fr-FR" b="1" dirty="0"/>
+                    </a:p>
+                  </a:txBody>
+                  <a:tcPr/>
+                </a:tc>
+                <a:tc>
+                  <a:txBody>
+                    <a:bodyPr/>
+                    <a:lstStyle/>
+                    <a:p>
+                      <a:pPr algn="ctr"/>
+                      <a:r>
+                        <a:rPr lang="fr-FR" dirty="0" smtClean="0"/>
+                        <a:t>En</a:t>
+                      </a:r>
+                      <a:r>
+                        <a:rPr lang="fr-FR" baseline="0" dirty="0" smtClean="0"/>
+                        <a:t> cours</a:t>
+                      </a:r>
+                      <a:endParaRPr lang="fr-FR" dirty="0"/>
+                    </a:p>
+                  </a:txBody>
+                  <a:tcPr/>
+                </a:tc>
+                <a:tc>
+                  <a:txBody>
+                    <a:bodyPr/>
+                    <a:lstStyle/>
+                    <a:p>
+                      <a:pPr algn="ctr"/>
+                      <a:endParaRPr lang="fr-FR" dirty="0"/>
+                    </a:p>
+                  </a:txBody>
+                  <a:tcPr/>
+                </a:tc>
+                <a:tc>
+                  <a:txBody>
+                    <a:bodyPr/>
+                    <a:lstStyle/>
+                    <a:p>
+                      <a:pPr algn="ctr"/>
+                      <a:endParaRPr lang="fr-FR" dirty="0"/>
+                    </a:p>
+                  </a:txBody>
+                  <a:tcPr/>
+                </a:tc>
+                <a:tc>
+                  <a:txBody>
+                    <a:bodyPr/>
+                    <a:lstStyle/>
+                    <a:p>
+                      <a:pPr algn="ctr"/>
+                      <a:endParaRPr lang="fr-FR" dirty="0"/>
+                    </a:p>
+                  </a:txBody>
+                  <a:tcPr/>
+                </a:tc>
+                <a:tc>
+                  <a:txBody>
+                    <a:bodyPr/>
+                    <a:lstStyle/>
+                    <a:p>
+                      <a:pPr algn="ctr"/>
+                      <a:endParaRPr lang="fr-FR" dirty="0"/>
+                    </a:p>
+                  </a:txBody>
+                  <a:tcPr/>
+                </a:tc>
+              </a:tr>
+              <a:tr h="370840">
+                <a:tc>
+                  <a:txBody>
+                    <a:bodyPr/>
+                    <a:lstStyle/>
+                    <a:p>
+                      <a:pPr algn="ctr"/>
+                      <a:r>
+                        <a:rPr lang="fr-FR" b="1" dirty="0" smtClean="0"/>
                         <a:t>Villes</a:t>
                       </a:r>
                       <a:endParaRPr lang="fr-FR" b="1" dirty="0"/>
@@ -7388,7 +7396,7 @@
                       <a:pPr algn="ctr"/>
                       <a:r>
                         <a:rPr lang="fr-FR" dirty="0" smtClean="0"/>
-                        <a:t>?</a:t>
+                        <a:t>OK</a:t>
                       </a:r>
                       <a:endParaRPr lang="fr-FR" dirty="0"/>
                     </a:p>
@@ -7510,7 +7518,7 @@
     </p:spTree>
     <p:extLst>
       <p:ext uri="{BB962C8B-B14F-4D97-AF65-F5344CB8AC3E}">
-        <p14:creationId xmlns:p14="http://schemas.microsoft.com/office/powerpoint/2010/main" xmlns="" val="3386994408"/>
+        <p14:creationId xmlns:p14="http://schemas.microsoft.com/office/powerpoint/2010/main" val="3386994408"/>
       </p:ext>
     </p:extLst>
   </p:cSld>
@@ -7554,7 +7562,7 @@
           <a:blip r:embed="rId3" cstate="print">
             <a:extLst>
               <a:ext uri="{28A0092B-C50C-407E-A947-70E740481C1C}">
-                <a14:useLocalDpi xmlns:a14="http://schemas.microsoft.com/office/drawing/2010/main" xmlns="" val="0"/>
+                <a14:useLocalDpi xmlns:a14="http://schemas.microsoft.com/office/drawing/2010/main" val="0"/>
               </a:ext>
             </a:extLst>
           </a:blip>
@@ -7660,7 +7668,7 @@
           <p:nvPr>
             <p:extLst>
               <p:ext uri="{D42A27DB-BD31-4B8C-83A1-F6EECF244321}">
-                <p14:modId xmlns:p14="http://schemas.microsoft.com/office/powerpoint/2010/main" xmlns="" val="3441312500"/>
+                <p14:modId xmlns:p14="http://schemas.microsoft.com/office/powerpoint/2010/main" val="3441312500"/>
               </p:ext>
             </p:extLst>
           </p:nvPr>
@@ -8504,7 +8512,7 @@
     </p:spTree>
     <p:extLst>
       <p:ext uri="{BB962C8B-B14F-4D97-AF65-F5344CB8AC3E}">
-        <p14:creationId xmlns:p14="http://schemas.microsoft.com/office/powerpoint/2010/main" xmlns="" val="3386994408"/>
+        <p14:creationId xmlns:p14="http://schemas.microsoft.com/office/powerpoint/2010/main" val="3386994408"/>
       </p:ext>
     </p:extLst>
   </p:cSld>
@@ -8548,7 +8556,7 @@
           <a:blip r:embed="rId3" cstate="print">
             <a:extLst>
               <a:ext uri="{28A0092B-C50C-407E-A947-70E740481C1C}">
-                <a14:useLocalDpi xmlns:a14="http://schemas.microsoft.com/office/drawing/2010/main" xmlns="" val="0"/>
+                <a14:useLocalDpi xmlns:a14="http://schemas.microsoft.com/office/drawing/2010/main" val="0"/>
               </a:ext>
             </a:extLst>
           </a:blip>
@@ -8690,11 +8698,7 @@
             </a:pPr>
             <a:r>
               <a:rPr lang="fr-FR" b="1" dirty="0" smtClean="0"/>
-              <a:t>Construction de la base </a:t>
-            </a:r>
-            <a:r>
-              <a:rPr lang="fr-FR" b="1" dirty="0" smtClean="0"/>
-              <a:t>OLAP</a:t>
+              <a:t>Construction de la base OLAP</a:t>
             </a:r>
           </a:p>
           <a:p>
@@ -8738,11 +8742,11 @@
             </a:pPr>
             <a:r>
               <a:rPr lang="fr-FR" dirty="0" smtClean="0"/>
-              <a:t>Ecrire une courte procédure pour la création de la base </a:t>
-            </a:r>
-            <a:r>
-              <a:rPr lang="fr-FR" dirty="0" smtClean="0"/>
-              <a:t>OLAP via script</a:t>
+              <a:t>Ecrire une courte procédure pour la création de la base OLAP </a:t>
+            </a:r>
+            <a:r>
+              <a:rPr lang="fr-FR" b="1" u="sng" dirty="0" smtClean="0"/>
+              <a:t>via script</a:t>
             </a:r>
           </a:p>
           <a:p>
@@ -8774,8 +8778,17 @@
             </a:pPr>
             <a:r>
               <a:rPr lang="fr-FR" sz="1600" dirty="0" smtClean="0"/>
-              <a:t>Création &amp; modification de cubes OLAP</a:t>
-            </a:r>
+              <a:t>Création &amp; modification de cubes </a:t>
+            </a:r>
+            <a:r>
+              <a:rPr lang="fr-FR" sz="1600" dirty="0" smtClean="0"/>
+              <a:t>OLAP </a:t>
+            </a:r>
+            <a:r>
+              <a:rPr lang="fr-FR" sz="1600" b="1" u="sng" dirty="0" smtClean="0"/>
+              <a:t>par script</a:t>
+            </a:r>
+            <a:endParaRPr lang="fr-FR" sz="1600" b="1" u="sng" dirty="0" smtClean="0"/>
           </a:p>
           <a:p>
             <a:pPr marL="800100" lvl="1" indent="-342900">
@@ -8790,7 +8803,11 @@
             </a:pPr>
             <a:r>
               <a:rPr lang="fr-FR" sz="1600" dirty="0" smtClean="0"/>
-              <a:t>EXPLAIN PLAN en OLAP</a:t>
+              <a:t>EXPLAIN PLAN en </a:t>
+            </a:r>
+            <a:r>
+              <a:rPr lang="fr-FR" sz="1600" dirty="0" smtClean="0"/>
+              <a:t>OLAP (Optionnel)</a:t>
             </a:r>
             <a:endParaRPr lang="fr-FR" sz="1600" dirty="0" smtClean="0"/>
           </a:p>
@@ -8806,7 +8823,7 @@
               <a:buChar char="§"/>
             </a:pPr>
             <a:r>
-              <a:rPr lang="fr-FR" sz="1600" dirty="0" smtClean="0"/>
+              <a:rPr lang="fr-FR" sz="1600" b="1" dirty="0" smtClean="0"/>
               <a:t>Connecteur / SDK pour interagir avec la base OLAP depuis un programme Java</a:t>
             </a:r>
           </a:p>
@@ -8815,7 +8832,7 @@
     </p:spTree>
     <p:extLst>
       <p:ext uri="{BB962C8B-B14F-4D97-AF65-F5344CB8AC3E}">
-        <p14:creationId xmlns:p14="http://schemas.microsoft.com/office/powerpoint/2010/main" xmlns="" val="3386994408"/>
+        <p14:creationId xmlns:p14="http://schemas.microsoft.com/office/powerpoint/2010/main" val="3386994408"/>
       </p:ext>
     </p:extLst>
   </p:cSld>
@@ -8918,7 +8935,7 @@
           <a:noFill/>
           <a:extLst>
             <a:ext uri="{909E8E84-426E-40DD-AFC4-6F175D3DCCD1}">
-              <a14:hiddenFill xmlns:a14="http://schemas.microsoft.com/office/drawing/2010/main" xmlns="">
+              <a14:hiddenFill xmlns:a14="http://schemas.microsoft.com/office/drawing/2010/main">
                 <a:solidFill>
                   <a:srgbClr val="FFFFFF"/>
                 </a:solidFill>
@@ -9007,7 +9024,7 @@
     </p:spTree>
     <p:extLst>
       <p:ext uri="{BB962C8B-B14F-4D97-AF65-F5344CB8AC3E}">
-        <p14:creationId xmlns:p14="http://schemas.microsoft.com/office/powerpoint/2010/main" xmlns="" val="4022729328"/>
+        <p14:creationId xmlns:p14="http://schemas.microsoft.com/office/powerpoint/2010/main" val="4022729328"/>
       </p:ext>
     </p:extLst>
   </p:cSld>
